--- a/#00 - Material de Apoio/00 - Fundamentos de C#/02 - Frameworks/PPTs/06 - Runtime e SDK.pptx
+++ b/#00 - Material de Apoio/00 - Fundamentos de C#/02 - Frameworks/PPTs/06 - Runtime e SDK.pptx
@@ -197,7 +197,7 @@
           <a:p>
             <a:fld id="{139EEEC3-02C9-4141-B0CF-4C776CBE4D81}" type="datetimeFigureOut">
               <a:rPr lang="pt-BR" smtClean="0"/>
-              <a:t>13/03/2021</a:t>
+              <a:t>13/04/2021</a:t>
             </a:fld>
             <a:endParaRPr lang="pt-BR"/>
           </a:p>
@@ -604,7 +604,7 @@
           <a:p>
             <a:fld id="{1D8BD707-D9CF-40AE-B4C6-C98DA3205C09}" type="datetimeFigureOut">
               <a:rPr lang="en-US"/>
-              <a:t>3/13/2021</a:t>
+              <a:t>4/13/2021</a:t>
             </a:fld>
             <a:endParaRPr lang="en-US"/>
           </a:p>
@@ -775,7 +775,7 @@
           <a:p>
             <a:fld id="{1D8BD707-D9CF-40AE-B4C6-C98DA3205C09}" type="datetimeFigureOut">
               <a:rPr lang="en-US"/>
-              <a:t>3/13/2021</a:t>
+              <a:t>4/13/2021</a:t>
             </a:fld>
             <a:endParaRPr lang="en-US"/>
           </a:p>
@@ -989,7 +989,7 @@
           <a:p>
             <a:fld id="{1D8BD707-D9CF-40AE-B4C6-C98DA3205C09}" type="datetimeFigureOut">
               <a:rPr lang="en-US"/>
-              <a:t>3/13/2021</a:t>
+              <a:t>4/13/2021</a:t>
             </a:fld>
             <a:endParaRPr lang="en-US"/>
           </a:p>
@@ -1232,7 +1232,7 @@
           <a:p>
             <a:fld id="{1D8BD707-D9CF-40AE-B4C6-C98DA3205C09}" type="datetimeFigureOut">
               <a:rPr lang="en-US"/>
-              <a:t>3/13/2021</a:t>
+              <a:t>4/13/2021</a:t>
             </a:fld>
             <a:endParaRPr lang="en-US"/>
           </a:p>
@@ -1351,7 +1351,7 @@
           <a:p>
             <a:fld id="{1D8BD707-D9CF-40AE-B4C6-C98DA3205C09}" type="datetimeFigureOut">
               <a:rPr lang="en-US"/>
-              <a:t>3/13/2021</a:t>
+              <a:t>4/13/2021</a:t>
             </a:fld>
             <a:endParaRPr lang="en-US"/>
           </a:p>
@@ -1686,7 +1686,7 @@
           <a:p>
             <a:fld id="{1D8BD707-D9CF-40AE-B4C6-C98DA3205C09}" type="datetimeFigureOut">
               <a:rPr lang="en-US"/>
-              <a:t>3/13/2021</a:t>
+              <a:t>4/13/2021</a:t>
             </a:fld>
             <a:endParaRPr lang="en-US"/>
           </a:p>
@@ -2807,13 +2807,6 @@
               </a:rPr>
               <a:t>.</a:t>
             </a:r>
-            <a:endParaRPr lang="pt-BR" sz="4000" b="1" kern="0" spc="180" dirty="0" smtClean="0">
-              <a:solidFill>
-                <a:schemeClr val="tx1"/>
-              </a:solidFill>
-              <a:latin typeface="Arial"/>
-              <a:cs typeface="Arial"/>
-            </a:endParaRPr>
           </a:p>
         </p:txBody>
       </p:sp>
@@ -3144,13 +3137,6 @@
               </a:rPr>
               <a:t>?</a:t>
             </a:r>
-            <a:endParaRPr lang="pt-BR" sz="4000" b="1" kern="0" spc="180" dirty="0">
-              <a:solidFill>
-                <a:srgbClr val="92D050"/>
-              </a:solidFill>
-              <a:latin typeface="Arial"/>
-              <a:cs typeface="Arial"/>
-            </a:endParaRPr>
           </a:p>
           <a:p>
             <a:pPr marL="584200" indent="-571500" algn="just">
@@ -3420,14 +3406,14 @@
               </a:spcBef>
             </a:pPr>
             <a:r>
-              <a:rPr lang="pt-BR" sz="6050" b="1" kern="0" spc="270" dirty="0" smtClean="0">
+              <a:rPr lang="pt-BR" sz="6050" b="1" kern="0" spc="270" smtClean="0">
                 <a:solidFill>
                   <a:srgbClr val="69EB00"/>
                 </a:solidFill>
                 <a:latin typeface="Arial"/>
                 <a:cs typeface="Arial"/>
               </a:rPr>
-              <a:t>SDK</a:t>
+              <a:t>Instalação</a:t>
             </a:r>
             <a:endParaRPr lang="pt-BR" sz="6050" kern="0" dirty="0">
               <a:latin typeface="Arial"/>
